--- a/Flow_resource_nifi.pptx
+++ b/Flow_resource_nifi.pptx
@@ -11,6 +11,9 @@
     <p:sldId id="256" r:id="rId6"/>
     <p:sldId id="257" r:id="rId7"/>
     <p:sldId id="258" r:id="rId8"/>
+    <p:sldId id="259" r:id="rId9"/>
+    <p:sldId id="260" r:id="rId10"/>
+    <p:sldId id="261" r:id="rId11"/>
   </p:sldIdLst>
   <p:sldSz cy="5143500" cx="9144000"/>
   <p:notesSz cx="6858000" cy="9144000"/>
@@ -941,6 +944,303 @@
       <p:sp>
         <p:nvSpPr>
           <p:cNvPr id="62" name="Google Shape;62;g2fc07dc16b0_0_35:notes"/>
+          <p:cNvSpPr txBox="1"/>
+          <p:nvPr>
+            <p:ph idx="1" type="body"/>
+          </p:nvPr>
+        </p:nvSpPr>
+        <p:spPr>
+          <a:xfrm>
+            <a:off x="685800" y="4343400"/>
+            <a:ext cx="5486400" cy="4114800"/>
+          </a:xfrm>
+          <a:prstGeom prst="rect">
+            <a:avLst/>
+          </a:prstGeom>
+        </p:spPr>
+        <p:txBody>
+          <a:bodyPr anchorCtr="0" anchor="t" bIns="91425" lIns="91425" spcFirstLastPara="1" rIns="91425" wrap="square" tIns="91425">
+            <a:noAutofit/>
+          </a:bodyPr>
+          <a:lstStyle/>
+          <a:p>
+            <a:pPr indent="0" lvl="0" marL="0" rtl="0" algn="l">
+              <a:spcBef>
+                <a:spcPts val="0"/>
+              </a:spcBef>
+              <a:spcAft>
+                <a:spcPts val="0"/>
+              </a:spcAft>
+              <a:buNone/>
+            </a:pPr>
+            <a:r>
+              <a:t/>
+            </a:r>
+            <a:endParaRPr/>
+          </a:p>
+        </p:txBody>
+      </p:sp>
+    </p:spTree>
+  </p:cSld>
+  <p:clrMapOvr>
+    <a:masterClrMapping/>
+  </p:clrMapOvr>
+</p:notes>
+</file>
+
+<file path=ppt/notesSlides/notesSlide4.xml><?xml version="1.0" encoding="utf-8"?>
+<p:notes xmlns:a="http://schemas.openxmlformats.org/drawingml/2006/main" xmlns:r="http://schemas.openxmlformats.org/officeDocument/2006/relationships" xmlns:mc="http://schemas.openxmlformats.org/markup-compatibility/2006" xmlns:mv="urn:schemas-microsoft-com:mac:vml" xmlns:p="http://schemas.openxmlformats.org/presentationml/2006/main" xmlns:c="http://schemas.openxmlformats.org/drawingml/2006/chart" xmlns:dgm="http://schemas.openxmlformats.org/drawingml/2006/diagram" xmlns:o="urn:schemas-microsoft-com:office:office" xmlns:v="urn:schemas-microsoft-com:vml" xmlns:pvml="urn:schemas-microsoft-com:office:powerpoint" xmlns:com="http://schemas.openxmlformats.org/drawingml/2006/compatibility" xmlns:p14="http://schemas.microsoft.com/office/powerpoint/2010/main" xmlns:p15="http://schemas.microsoft.com/office/powerpoint/2012/main" xmlns:ahyp="http://schemas.microsoft.com/office/drawing/2018/hyperlinkcolor" showMasterPhAnim="0" showMasterSp="0">
+  <p:cSld>
+    <p:spTree>
+      <p:nvGrpSpPr>
+        <p:cNvPr id="65" name="Shape 65"/>
+        <p:cNvGrpSpPr/>
+        <p:nvPr/>
+      </p:nvGrpSpPr>
+      <p:grpSpPr>
+        <a:xfrm>
+          <a:off x="0" y="0"/>
+          <a:ext cx="0" cy="0"/>
+          <a:chOff x="0" y="0"/>
+          <a:chExt cx="0" cy="0"/>
+        </a:xfrm>
+      </p:grpSpPr>
+      <p:sp>
+        <p:nvSpPr>
+          <p:cNvPr id="66" name="Google Shape;66;g2fe45096c2d_0_0:notes"/>
+          <p:cNvSpPr/>
+          <p:nvPr>
+            <p:ph idx="2" type="sldImg"/>
+          </p:nvPr>
+        </p:nvSpPr>
+        <p:spPr>
+          <a:xfrm>
+            <a:off x="381300" y="685800"/>
+            <a:ext cx="6096000" cy="3429000"/>
+          </a:xfrm>
+          <a:custGeom>
+            <a:rect b="b" l="l" r="r" t="t"/>
+            <a:pathLst>
+              <a:path extrusionOk="0" h="120000" w="120000">
+                <a:moveTo>
+                  <a:pt x="0" y="0"/>
+                </a:moveTo>
+                <a:lnTo>
+                  <a:pt x="120000" y="0"/>
+                </a:lnTo>
+                <a:lnTo>
+                  <a:pt x="120000" y="120000"/>
+                </a:lnTo>
+                <a:lnTo>
+                  <a:pt x="0" y="120000"/>
+                </a:lnTo>
+                <a:close/>
+              </a:path>
+            </a:pathLst>
+          </a:custGeom>
+        </p:spPr>
+      </p:sp>
+      <p:sp>
+        <p:nvSpPr>
+          <p:cNvPr id="67" name="Google Shape;67;g2fe45096c2d_0_0:notes"/>
+          <p:cNvSpPr txBox="1"/>
+          <p:nvPr>
+            <p:ph idx="1" type="body"/>
+          </p:nvPr>
+        </p:nvSpPr>
+        <p:spPr>
+          <a:xfrm>
+            <a:off x="685800" y="4343400"/>
+            <a:ext cx="5486400" cy="4114800"/>
+          </a:xfrm>
+          <a:prstGeom prst="rect">
+            <a:avLst/>
+          </a:prstGeom>
+        </p:spPr>
+        <p:txBody>
+          <a:bodyPr anchorCtr="0" anchor="t" bIns="91425" lIns="91425" spcFirstLastPara="1" rIns="91425" wrap="square" tIns="91425">
+            <a:noAutofit/>
+          </a:bodyPr>
+          <a:lstStyle/>
+          <a:p>
+            <a:pPr indent="0" lvl="0" marL="0" rtl="0" algn="l">
+              <a:spcBef>
+                <a:spcPts val="0"/>
+              </a:spcBef>
+              <a:spcAft>
+                <a:spcPts val="0"/>
+              </a:spcAft>
+              <a:buNone/>
+            </a:pPr>
+            <a:r>
+              <a:t/>
+            </a:r>
+            <a:endParaRPr/>
+          </a:p>
+        </p:txBody>
+      </p:sp>
+    </p:spTree>
+  </p:cSld>
+  <p:clrMapOvr>
+    <a:masterClrMapping/>
+  </p:clrMapOvr>
+</p:notes>
+</file>
+
+<file path=ppt/notesSlides/notesSlide5.xml><?xml version="1.0" encoding="utf-8"?>
+<p:notes xmlns:a="http://schemas.openxmlformats.org/drawingml/2006/main" xmlns:r="http://schemas.openxmlformats.org/officeDocument/2006/relationships" xmlns:mc="http://schemas.openxmlformats.org/markup-compatibility/2006" xmlns:mv="urn:schemas-microsoft-com:mac:vml" xmlns:p="http://schemas.openxmlformats.org/presentationml/2006/main" xmlns:c="http://schemas.openxmlformats.org/drawingml/2006/chart" xmlns:dgm="http://schemas.openxmlformats.org/drawingml/2006/diagram" xmlns:o="urn:schemas-microsoft-com:office:office" xmlns:v="urn:schemas-microsoft-com:vml" xmlns:pvml="urn:schemas-microsoft-com:office:powerpoint" xmlns:com="http://schemas.openxmlformats.org/drawingml/2006/compatibility" xmlns:p14="http://schemas.microsoft.com/office/powerpoint/2010/main" xmlns:p15="http://schemas.microsoft.com/office/powerpoint/2012/main" xmlns:ahyp="http://schemas.microsoft.com/office/drawing/2018/hyperlinkcolor" showMasterPhAnim="0" showMasterSp="0">
+  <p:cSld>
+    <p:spTree>
+      <p:nvGrpSpPr>
+        <p:cNvPr id="71" name="Shape 71"/>
+        <p:cNvGrpSpPr/>
+        <p:nvPr/>
+      </p:nvGrpSpPr>
+      <p:grpSpPr>
+        <a:xfrm>
+          <a:off x="0" y="0"/>
+          <a:ext cx="0" cy="0"/>
+          <a:chOff x="0" y="0"/>
+          <a:chExt cx="0" cy="0"/>
+        </a:xfrm>
+      </p:grpSpPr>
+      <p:sp>
+        <p:nvSpPr>
+          <p:cNvPr id="72" name="Google Shape;72;g2fe45096c2d_0_6:notes"/>
+          <p:cNvSpPr/>
+          <p:nvPr>
+            <p:ph idx="2" type="sldImg"/>
+          </p:nvPr>
+        </p:nvSpPr>
+        <p:spPr>
+          <a:xfrm>
+            <a:off x="381300" y="685800"/>
+            <a:ext cx="6096000" cy="3429000"/>
+          </a:xfrm>
+          <a:custGeom>
+            <a:rect b="b" l="l" r="r" t="t"/>
+            <a:pathLst>
+              <a:path extrusionOk="0" h="120000" w="120000">
+                <a:moveTo>
+                  <a:pt x="0" y="0"/>
+                </a:moveTo>
+                <a:lnTo>
+                  <a:pt x="120000" y="0"/>
+                </a:lnTo>
+                <a:lnTo>
+                  <a:pt x="120000" y="120000"/>
+                </a:lnTo>
+                <a:lnTo>
+                  <a:pt x="0" y="120000"/>
+                </a:lnTo>
+                <a:close/>
+              </a:path>
+            </a:pathLst>
+          </a:custGeom>
+        </p:spPr>
+      </p:sp>
+      <p:sp>
+        <p:nvSpPr>
+          <p:cNvPr id="73" name="Google Shape;73;g2fe45096c2d_0_6:notes"/>
+          <p:cNvSpPr txBox="1"/>
+          <p:nvPr>
+            <p:ph idx="1" type="body"/>
+          </p:nvPr>
+        </p:nvSpPr>
+        <p:spPr>
+          <a:xfrm>
+            <a:off x="685800" y="4343400"/>
+            <a:ext cx="5486400" cy="4114800"/>
+          </a:xfrm>
+          <a:prstGeom prst="rect">
+            <a:avLst/>
+          </a:prstGeom>
+        </p:spPr>
+        <p:txBody>
+          <a:bodyPr anchorCtr="0" anchor="t" bIns="91425" lIns="91425" spcFirstLastPara="1" rIns="91425" wrap="square" tIns="91425">
+            <a:noAutofit/>
+          </a:bodyPr>
+          <a:lstStyle/>
+          <a:p>
+            <a:pPr indent="0" lvl="0" marL="0" rtl="0" algn="l">
+              <a:spcBef>
+                <a:spcPts val="0"/>
+              </a:spcBef>
+              <a:spcAft>
+                <a:spcPts val="0"/>
+              </a:spcAft>
+              <a:buNone/>
+            </a:pPr>
+            <a:r>
+              <a:t/>
+            </a:r>
+            <a:endParaRPr/>
+          </a:p>
+        </p:txBody>
+      </p:sp>
+    </p:spTree>
+  </p:cSld>
+  <p:clrMapOvr>
+    <a:masterClrMapping/>
+  </p:clrMapOvr>
+</p:notes>
+</file>
+
+<file path=ppt/notesSlides/notesSlide6.xml><?xml version="1.0" encoding="utf-8"?>
+<p:notes xmlns:a="http://schemas.openxmlformats.org/drawingml/2006/main" xmlns:r="http://schemas.openxmlformats.org/officeDocument/2006/relationships" xmlns:mc="http://schemas.openxmlformats.org/markup-compatibility/2006" xmlns:mv="urn:schemas-microsoft-com:mac:vml" xmlns:p="http://schemas.openxmlformats.org/presentationml/2006/main" xmlns:c="http://schemas.openxmlformats.org/drawingml/2006/chart" xmlns:dgm="http://schemas.openxmlformats.org/drawingml/2006/diagram" xmlns:o="urn:schemas-microsoft-com:office:office" xmlns:v="urn:schemas-microsoft-com:vml" xmlns:pvml="urn:schemas-microsoft-com:office:powerpoint" xmlns:com="http://schemas.openxmlformats.org/drawingml/2006/compatibility" xmlns:p14="http://schemas.microsoft.com/office/powerpoint/2010/main" xmlns:p15="http://schemas.microsoft.com/office/powerpoint/2012/main" xmlns:ahyp="http://schemas.microsoft.com/office/drawing/2018/hyperlinkcolor" showMasterPhAnim="0" showMasterSp="0">
+  <p:cSld>
+    <p:spTree>
+      <p:nvGrpSpPr>
+        <p:cNvPr id="77" name="Shape 77"/>
+        <p:cNvGrpSpPr/>
+        <p:nvPr/>
+      </p:nvGrpSpPr>
+      <p:grpSpPr>
+        <a:xfrm>
+          <a:off x="0" y="0"/>
+          <a:ext cx="0" cy="0"/>
+          <a:chOff x="0" y="0"/>
+          <a:chExt cx="0" cy="0"/>
+        </a:xfrm>
+      </p:grpSpPr>
+      <p:sp>
+        <p:nvSpPr>
+          <p:cNvPr id="78" name="Google Shape;78;g2fe45096c2d_0_12:notes"/>
+          <p:cNvSpPr/>
+          <p:nvPr>
+            <p:ph idx="2" type="sldImg"/>
+          </p:nvPr>
+        </p:nvSpPr>
+        <p:spPr>
+          <a:xfrm>
+            <a:off x="381300" y="685800"/>
+            <a:ext cx="6096000" cy="3429000"/>
+          </a:xfrm>
+          <a:custGeom>
+            <a:rect b="b" l="l" r="r" t="t"/>
+            <a:pathLst>
+              <a:path extrusionOk="0" h="120000" w="120000">
+                <a:moveTo>
+                  <a:pt x="0" y="0"/>
+                </a:moveTo>
+                <a:lnTo>
+                  <a:pt x="120000" y="0"/>
+                </a:lnTo>
+                <a:lnTo>
+                  <a:pt x="120000" y="120000"/>
+                </a:lnTo>
+                <a:lnTo>
+                  <a:pt x="0" y="120000"/>
+                </a:lnTo>
+                <a:close/>
+              </a:path>
+            </a:pathLst>
+          </a:custGeom>
+        </p:spPr>
+      </p:sp>
+      <p:sp>
+        <p:nvSpPr>
+          <p:cNvPr id="79" name="Google Shape;79;g2fe45096c2d_0_12:notes"/>
           <p:cNvSpPr txBox="1"/>
           <p:nvPr>
             <p:ph idx="1" type="body"/>
@@ -9614,6 +9914,1786 @@
 </p:sld>
 </file>
 
+<file path=ppt/slides/slide4.xml><?xml version="1.0" encoding="utf-8"?>
+<p:sld xmlns:a="http://schemas.openxmlformats.org/drawingml/2006/main" xmlns:r="http://schemas.openxmlformats.org/officeDocument/2006/relationships" xmlns:mc="http://schemas.openxmlformats.org/markup-compatibility/2006" xmlns:mv="urn:schemas-microsoft-com:mac:vml" xmlns:p="http://schemas.openxmlformats.org/presentationml/2006/main" xmlns:c="http://schemas.openxmlformats.org/drawingml/2006/chart" xmlns:dgm="http://schemas.openxmlformats.org/drawingml/2006/diagram" xmlns:o="urn:schemas-microsoft-com:office:office" xmlns:v="urn:schemas-microsoft-com:vml" xmlns:pvml="urn:schemas-microsoft-com:office:powerpoint" xmlns:com="http://schemas.openxmlformats.org/drawingml/2006/compatibility" xmlns:p14="http://schemas.microsoft.com/office/powerpoint/2010/main" xmlns:p15="http://schemas.microsoft.com/office/powerpoint/2012/main" xmlns:ahyp="http://schemas.microsoft.com/office/drawing/2018/hyperlinkcolor">
+  <p:cSld>
+    <p:spTree>
+      <p:nvGrpSpPr>
+        <p:cNvPr id="68" name="Shape 68"/>
+        <p:cNvGrpSpPr/>
+        <p:nvPr/>
+      </p:nvGrpSpPr>
+      <p:grpSpPr>
+        <a:xfrm>
+          <a:off x="0" y="0"/>
+          <a:ext cx="0" cy="0"/>
+          <a:chOff x="0" y="0"/>
+          <a:chExt cx="0" cy="0"/>
+        </a:xfrm>
+      </p:grpSpPr>
+      <p:sp>
+        <p:nvSpPr>
+          <p:cNvPr id="69" name="Google Shape;69;p16"/>
+          <p:cNvSpPr txBox="1"/>
+          <p:nvPr>
+            <p:ph type="title"/>
+          </p:nvPr>
+        </p:nvSpPr>
+        <p:spPr>
+          <a:xfrm>
+            <a:off x="311700" y="445025"/>
+            <a:ext cx="8520600" cy="572700"/>
+          </a:xfrm>
+          <a:prstGeom prst="rect">
+            <a:avLst/>
+          </a:prstGeom>
+        </p:spPr>
+        <p:txBody>
+          <a:bodyPr anchorCtr="0" anchor="t" bIns="91425" lIns="91425" spcFirstLastPara="1" rIns="91425" wrap="square" tIns="91425">
+            <a:normAutofit fontScale="90000"/>
+          </a:bodyPr>
+          <a:lstStyle/>
+          <a:p>
+            <a:pPr indent="0" lvl="0" marL="0" rtl="0" algn="l">
+              <a:spcBef>
+                <a:spcPts val="0"/>
+              </a:spcBef>
+              <a:spcAft>
+                <a:spcPts val="0"/>
+              </a:spcAft>
+              <a:buNone/>
+            </a:pPr>
+            <a:r>
+              <a:t/>
+            </a:r>
+            <a:endParaRPr/>
+          </a:p>
+        </p:txBody>
+      </p:sp>
+      <p:sp>
+        <p:nvSpPr>
+          <p:cNvPr id="70" name="Google Shape;70;p16"/>
+          <p:cNvSpPr txBox="1"/>
+          <p:nvPr>
+            <p:ph idx="1" type="body"/>
+          </p:nvPr>
+        </p:nvSpPr>
+        <p:spPr>
+          <a:xfrm>
+            <a:off x="311700" y="1152475"/>
+            <a:ext cx="8520600" cy="3416400"/>
+          </a:xfrm>
+          <a:prstGeom prst="rect">
+            <a:avLst/>
+          </a:prstGeom>
+        </p:spPr>
+        <p:txBody>
+          <a:bodyPr anchorCtr="0" anchor="t" bIns="91425" lIns="91425" spcFirstLastPara="1" rIns="91425" wrap="square" tIns="91425">
+            <a:noAutofit/>
+          </a:bodyPr>
+          <a:lstStyle/>
+          <a:p>
+            <a:pPr indent="0" lvl="0" marL="0" rtl="0" algn="l">
+              <a:lnSpc>
+                <a:spcPct val="95000"/>
+              </a:lnSpc>
+              <a:spcBef>
+                <a:spcPts val="0"/>
+              </a:spcBef>
+              <a:spcAft>
+                <a:spcPts val="0"/>
+              </a:spcAft>
+              <a:buClr>
+                <a:schemeClr val="dk1"/>
+              </a:buClr>
+              <a:buSzPts val="275"/>
+              <a:buFont typeface="Arial"/>
+              <a:buNone/>
+            </a:pPr>
+            <a:r>
+              <a:rPr lang="en-GB" sz="1050"/>
+              <a:t>[System A] ---&gt; [Key Request] ---&gt; [KMS]</a:t>
+            </a:r>
+            <a:endParaRPr sz="1050"/>
+          </a:p>
+          <a:p>
+            <a:pPr indent="0" lvl="0" marL="0" rtl="0" algn="l">
+              <a:lnSpc>
+                <a:spcPct val="95000"/>
+              </a:lnSpc>
+              <a:spcBef>
+                <a:spcPts val="1200"/>
+              </a:spcBef>
+              <a:spcAft>
+                <a:spcPts val="0"/>
+              </a:spcAft>
+              <a:buClr>
+                <a:schemeClr val="dk1"/>
+              </a:buClr>
+              <a:buSzPts val="275"/>
+              <a:buFont typeface="Arial"/>
+              <a:buNone/>
+            </a:pPr>
+            <a:r>
+              <a:rPr lang="en-GB" sz="1050"/>
+              <a:t>        |                                   |</a:t>
+            </a:r>
+            <a:endParaRPr sz="1050"/>
+          </a:p>
+          <a:p>
+            <a:pPr indent="0" lvl="0" marL="0" rtl="0" algn="l">
+              <a:lnSpc>
+                <a:spcPct val="95000"/>
+              </a:lnSpc>
+              <a:spcBef>
+                <a:spcPts val="1200"/>
+              </a:spcBef>
+              <a:spcAft>
+                <a:spcPts val="0"/>
+              </a:spcAft>
+              <a:buClr>
+                <a:schemeClr val="dk1"/>
+              </a:buClr>
+              <a:buSzPts val="275"/>
+              <a:buFont typeface="Arial"/>
+              <a:buNone/>
+            </a:pPr>
+            <a:r>
+              <a:rPr lang="en-GB" sz="1050"/>
+              <a:t>        |                                   v</a:t>
+            </a:r>
+            <a:endParaRPr sz="1050"/>
+          </a:p>
+          <a:p>
+            <a:pPr indent="0" lvl="0" marL="0" rtl="0" algn="l">
+              <a:lnSpc>
+                <a:spcPct val="95000"/>
+              </a:lnSpc>
+              <a:spcBef>
+                <a:spcPts val="1200"/>
+              </a:spcBef>
+              <a:spcAft>
+                <a:spcPts val="0"/>
+              </a:spcAft>
+              <a:buClr>
+                <a:schemeClr val="dk1"/>
+              </a:buClr>
+              <a:buSzPts val="275"/>
+              <a:buFont typeface="Arial"/>
+              <a:buNone/>
+            </a:pPr>
+            <a:r>
+              <a:rPr lang="en-GB" sz="1050"/>
+              <a:t>        |                             [Generate Key]</a:t>
+            </a:r>
+            <a:endParaRPr sz="1050"/>
+          </a:p>
+          <a:p>
+            <a:pPr indent="0" lvl="0" marL="0" rtl="0" algn="l">
+              <a:lnSpc>
+                <a:spcPct val="95000"/>
+              </a:lnSpc>
+              <a:spcBef>
+                <a:spcPts val="1200"/>
+              </a:spcBef>
+              <a:spcAft>
+                <a:spcPts val="0"/>
+              </a:spcAft>
+              <a:buClr>
+                <a:schemeClr val="dk1"/>
+              </a:buClr>
+              <a:buSzPts val="275"/>
+              <a:buFont typeface="Arial"/>
+              <a:buNone/>
+            </a:pPr>
+            <a:r>
+              <a:rPr lang="en-GB" sz="1050"/>
+              <a:t>        |                                   |</a:t>
+            </a:r>
+            <a:endParaRPr sz="1050"/>
+          </a:p>
+          <a:p>
+            <a:pPr indent="0" lvl="0" marL="0" rtl="0" algn="l">
+              <a:lnSpc>
+                <a:spcPct val="95000"/>
+              </a:lnSpc>
+              <a:spcBef>
+                <a:spcPts val="1200"/>
+              </a:spcBef>
+              <a:spcAft>
+                <a:spcPts val="0"/>
+              </a:spcAft>
+              <a:buClr>
+                <a:schemeClr val="dk1"/>
+              </a:buClr>
+              <a:buSzPts val="275"/>
+              <a:buFont typeface="Arial"/>
+              <a:buNone/>
+            </a:pPr>
+            <a:r>
+              <a:rPr lang="en-GB" sz="1050"/>
+              <a:t>        |&lt;---- [Encryption Key] &lt;-----------|</a:t>
+            </a:r>
+            <a:endParaRPr sz="1050"/>
+          </a:p>
+          <a:p>
+            <a:pPr indent="0" lvl="0" marL="0" rtl="0" algn="l">
+              <a:lnSpc>
+                <a:spcPct val="95000"/>
+              </a:lnSpc>
+              <a:spcBef>
+                <a:spcPts val="1200"/>
+              </a:spcBef>
+              <a:spcAft>
+                <a:spcPts val="0"/>
+              </a:spcAft>
+              <a:buClr>
+                <a:schemeClr val="dk1"/>
+              </a:buClr>
+              <a:buSzPts val="275"/>
+              <a:buFont typeface="Arial"/>
+              <a:buNone/>
+            </a:pPr>
+            <a:r>
+              <a:rPr lang="en-GB" sz="1050"/>
+              <a:t>        |</a:t>
+            </a:r>
+            <a:endParaRPr sz="1050"/>
+          </a:p>
+          <a:p>
+            <a:pPr indent="0" lvl="0" marL="0" rtl="0" algn="l">
+              <a:lnSpc>
+                <a:spcPct val="95000"/>
+              </a:lnSpc>
+              <a:spcBef>
+                <a:spcPts val="1200"/>
+              </a:spcBef>
+              <a:spcAft>
+                <a:spcPts val="0"/>
+              </a:spcAft>
+              <a:buClr>
+                <a:schemeClr val="dk1"/>
+              </a:buClr>
+              <a:buSzPts val="275"/>
+              <a:buFont typeface="Arial"/>
+              <a:buNone/>
+            </a:pPr>
+            <a:r>
+              <a:rPr lang="en-GB" sz="1050"/>
+              <a:t>        |---- [Encrypt Data]</a:t>
+            </a:r>
+            <a:endParaRPr sz="1050"/>
+          </a:p>
+          <a:p>
+            <a:pPr indent="0" lvl="0" marL="0" rtl="0" algn="l">
+              <a:lnSpc>
+                <a:spcPct val="95000"/>
+              </a:lnSpc>
+              <a:spcBef>
+                <a:spcPts val="1200"/>
+              </a:spcBef>
+              <a:spcAft>
+                <a:spcPts val="0"/>
+              </a:spcAft>
+              <a:buClr>
+                <a:schemeClr val="dk1"/>
+              </a:buClr>
+              <a:buSzPts val="275"/>
+              <a:buFont typeface="Arial"/>
+              <a:buNone/>
+            </a:pPr>
+            <a:r>
+              <a:rPr lang="en-GB" sz="1050"/>
+              <a:t>        |---- [Store Metadata] ---&gt; [Metadata Store]</a:t>
+            </a:r>
+            <a:endParaRPr sz="1050"/>
+          </a:p>
+          <a:p>
+            <a:pPr indent="0" lvl="0" marL="0" rtl="0" algn="l">
+              <a:lnSpc>
+                <a:spcPct val="95000"/>
+              </a:lnSpc>
+              <a:spcBef>
+                <a:spcPts val="1200"/>
+              </a:spcBef>
+              <a:spcAft>
+                <a:spcPts val="0"/>
+              </a:spcAft>
+              <a:buClr>
+                <a:schemeClr val="dk1"/>
+              </a:buClr>
+              <a:buSzPts val="275"/>
+              <a:buFont typeface="Arial"/>
+              <a:buNone/>
+            </a:pPr>
+            <a:r>
+              <a:rPr lang="en-GB" sz="1050"/>
+              <a:t>        |</a:t>
+            </a:r>
+            <a:endParaRPr sz="1050"/>
+          </a:p>
+          <a:p>
+            <a:pPr indent="0" lvl="0" marL="0" rtl="0" algn="l">
+              <a:lnSpc>
+                <a:spcPct val="95000"/>
+              </a:lnSpc>
+              <a:spcBef>
+                <a:spcPts val="1200"/>
+              </a:spcBef>
+              <a:spcAft>
+                <a:spcPts val="0"/>
+              </a:spcAft>
+              <a:buClr>
+                <a:schemeClr val="dk1"/>
+              </a:buClr>
+              <a:buSzPts val="275"/>
+              <a:buFont typeface="Arial"/>
+              <a:buNone/>
+            </a:pPr>
+            <a:r>
+              <a:rPr lang="en-GB" sz="1050"/>
+              <a:t>        |---- [Send Encrypted Data] ---&gt; [Encrypted Data Channel] ---&gt; [System B]</a:t>
+            </a:r>
+            <a:endParaRPr sz="1050"/>
+          </a:p>
+          <a:p>
+            <a:pPr indent="0" lvl="0" marL="0" rtl="0" algn="l">
+              <a:lnSpc>
+                <a:spcPct val="95000"/>
+              </a:lnSpc>
+              <a:spcBef>
+                <a:spcPts val="1200"/>
+              </a:spcBef>
+              <a:spcAft>
+                <a:spcPts val="0"/>
+              </a:spcAft>
+              <a:buClr>
+                <a:schemeClr val="dk1"/>
+              </a:buClr>
+              <a:buSzPts val="275"/>
+              <a:buFont typeface="Arial"/>
+              <a:buNone/>
+            </a:pPr>
+            <a:r>
+              <a:rPr lang="en-GB" sz="1050"/>
+              <a:t>                                                                     |</a:t>
+            </a:r>
+            <a:endParaRPr sz="1050"/>
+          </a:p>
+          <a:p>
+            <a:pPr indent="0" lvl="0" marL="0" rtl="0" algn="l">
+              <a:lnSpc>
+                <a:spcPct val="95000"/>
+              </a:lnSpc>
+              <a:spcBef>
+                <a:spcPts val="1200"/>
+              </a:spcBef>
+              <a:spcAft>
+                <a:spcPts val="0"/>
+              </a:spcAft>
+              <a:buClr>
+                <a:schemeClr val="dk1"/>
+              </a:buClr>
+              <a:buSzPts val="275"/>
+              <a:buFont typeface="Arial"/>
+              <a:buNone/>
+            </a:pPr>
+            <a:r>
+              <a:rPr lang="en-GB" sz="1050"/>
+              <a:t>                                                [Retrieve Metadata] &lt;--- [Metadata Store]</a:t>
+            </a:r>
+            <a:endParaRPr sz="1050"/>
+          </a:p>
+          <a:p>
+            <a:pPr indent="0" lvl="0" marL="0" rtl="0" algn="l">
+              <a:lnSpc>
+                <a:spcPct val="95000"/>
+              </a:lnSpc>
+              <a:spcBef>
+                <a:spcPts val="1200"/>
+              </a:spcBef>
+              <a:spcAft>
+                <a:spcPts val="0"/>
+              </a:spcAft>
+              <a:buClr>
+                <a:schemeClr val="dk1"/>
+              </a:buClr>
+              <a:buSzPts val="275"/>
+              <a:buFont typeface="Arial"/>
+              <a:buNone/>
+            </a:pPr>
+            <a:r>
+              <a:rPr lang="en-GB" sz="1050"/>
+              <a:t>                                                                     |</a:t>
+            </a:r>
+            <a:endParaRPr sz="1050"/>
+          </a:p>
+          <a:p>
+            <a:pPr indent="0" lvl="0" marL="0" rtl="0" algn="l">
+              <a:lnSpc>
+                <a:spcPct val="95000"/>
+              </a:lnSpc>
+              <a:spcBef>
+                <a:spcPts val="1200"/>
+              </a:spcBef>
+              <a:spcAft>
+                <a:spcPts val="0"/>
+              </a:spcAft>
+              <a:buClr>
+                <a:schemeClr val="dk1"/>
+              </a:buClr>
+              <a:buSzPts val="275"/>
+              <a:buFont typeface="Arial"/>
+              <a:buNone/>
+            </a:pPr>
+            <a:r>
+              <a:rPr lang="en-GB" sz="1050"/>
+              <a:t>                                                [Request Key] ---&gt; [KMS]</a:t>
+            </a:r>
+            <a:endParaRPr sz="1050"/>
+          </a:p>
+          <a:p>
+            <a:pPr indent="0" lvl="0" marL="0" rtl="0" algn="l">
+              <a:lnSpc>
+                <a:spcPct val="95000"/>
+              </a:lnSpc>
+              <a:spcBef>
+                <a:spcPts val="1200"/>
+              </a:spcBef>
+              <a:spcAft>
+                <a:spcPts val="0"/>
+              </a:spcAft>
+              <a:buClr>
+                <a:schemeClr val="dk1"/>
+              </a:buClr>
+              <a:buSzPts val="275"/>
+              <a:buFont typeface="Arial"/>
+              <a:buNone/>
+            </a:pPr>
+            <a:r>
+              <a:rPr lang="en-GB" sz="1050"/>
+              <a:t>                                                                     |</a:t>
+            </a:r>
+            <a:endParaRPr sz="1050"/>
+          </a:p>
+          <a:p>
+            <a:pPr indent="0" lvl="0" marL="0" rtl="0" algn="l">
+              <a:lnSpc>
+                <a:spcPct val="95000"/>
+              </a:lnSpc>
+              <a:spcBef>
+                <a:spcPts val="1200"/>
+              </a:spcBef>
+              <a:spcAft>
+                <a:spcPts val="0"/>
+              </a:spcAft>
+              <a:buClr>
+                <a:schemeClr val="dk1"/>
+              </a:buClr>
+              <a:buSzPts val="275"/>
+              <a:buFont typeface="Arial"/>
+              <a:buNone/>
+            </a:pPr>
+            <a:r>
+              <a:rPr lang="en-GB" sz="1050"/>
+              <a:t>                                                                     |&lt;--- [Decryption Key]</a:t>
+            </a:r>
+            <a:endParaRPr sz="1050"/>
+          </a:p>
+          <a:p>
+            <a:pPr indent="0" lvl="0" marL="0" rtl="0" algn="l">
+              <a:lnSpc>
+                <a:spcPct val="95000"/>
+              </a:lnSpc>
+              <a:spcBef>
+                <a:spcPts val="1200"/>
+              </a:spcBef>
+              <a:spcAft>
+                <a:spcPts val="0"/>
+              </a:spcAft>
+              <a:buClr>
+                <a:schemeClr val="dk1"/>
+              </a:buClr>
+              <a:buSzPts val="275"/>
+              <a:buFont typeface="Arial"/>
+              <a:buNone/>
+            </a:pPr>
+            <a:r>
+              <a:rPr lang="en-GB" sz="1050"/>
+              <a:t>                                                                     |</a:t>
+            </a:r>
+            <a:endParaRPr sz="1050"/>
+          </a:p>
+          <a:p>
+            <a:pPr indent="0" lvl="0" marL="0" rtl="0" algn="l">
+              <a:lnSpc>
+                <a:spcPct val="95000"/>
+              </a:lnSpc>
+              <a:spcBef>
+                <a:spcPts val="1200"/>
+              </a:spcBef>
+              <a:spcAft>
+                <a:spcPts val="0"/>
+              </a:spcAft>
+              <a:buClr>
+                <a:schemeClr val="dk1"/>
+              </a:buClr>
+              <a:buSzPts val="275"/>
+              <a:buFont typeface="Arial"/>
+              <a:buNone/>
+            </a:pPr>
+            <a:r>
+              <a:rPr lang="en-GB" sz="1050"/>
+              <a:t>                                                [Decrypt Data] ------|</a:t>
+            </a:r>
+            <a:endParaRPr sz="1050"/>
+          </a:p>
+          <a:p>
+            <a:pPr indent="0" lvl="0" marL="0" rtl="0" algn="l">
+              <a:lnSpc>
+                <a:spcPct val="95000"/>
+              </a:lnSpc>
+              <a:spcBef>
+                <a:spcPts val="1200"/>
+              </a:spcBef>
+              <a:spcAft>
+                <a:spcPts val="0"/>
+              </a:spcAft>
+              <a:buClr>
+                <a:schemeClr val="dk1"/>
+              </a:buClr>
+              <a:buSzPts val="275"/>
+              <a:buFont typeface="Arial"/>
+              <a:buNone/>
+            </a:pPr>
+            <a:r>
+              <a:rPr lang="en-GB" sz="1050"/>
+              <a:t>                                                                     |</a:t>
+            </a:r>
+            <a:endParaRPr sz="1050"/>
+          </a:p>
+          <a:p>
+            <a:pPr indent="0" lvl="0" marL="0" rtl="0" algn="l">
+              <a:lnSpc>
+                <a:spcPct val="95000"/>
+              </a:lnSpc>
+              <a:spcBef>
+                <a:spcPts val="1200"/>
+              </a:spcBef>
+              <a:spcAft>
+                <a:spcPts val="0"/>
+              </a:spcAft>
+              <a:buClr>
+                <a:schemeClr val="dk1"/>
+              </a:buClr>
+              <a:buSzPts val="275"/>
+              <a:buFont typeface="Arial"/>
+              <a:buNone/>
+            </a:pPr>
+            <a:r>
+              <a:rPr lang="en-GB" sz="1050"/>
+              <a:t>                                                [Process Data] ------|</a:t>
+            </a:r>
+            <a:endParaRPr sz="1050"/>
+          </a:p>
+          <a:p>
+            <a:pPr indent="0" lvl="0" marL="0" rtl="0" algn="l">
+              <a:lnSpc>
+                <a:spcPct val="95000"/>
+              </a:lnSpc>
+              <a:spcBef>
+                <a:spcPts val="1200"/>
+              </a:spcBef>
+              <a:spcAft>
+                <a:spcPts val="0"/>
+              </a:spcAft>
+              <a:buClr>
+                <a:schemeClr val="dk1"/>
+              </a:buClr>
+              <a:buSzPts val="275"/>
+              <a:buFont typeface="Arial"/>
+              <a:buNone/>
+            </a:pPr>
+            <a:r>
+              <a:t/>
+            </a:r>
+            <a:endParaRPr sz="1050"/>
+          </a:p>
+          <a:p>
+            <a:pPr indent="0" lvl="0" marL="0" rtl="0" algn="l">
+              <a:lnSpc>
+                <a:spcPct val="95000"/>
+              </a:lnSpc>
+              <a:spcBef>
+                <a:spcPts val="1200"/>
+              </a:spcBef>
+              <a:spcAft>
+                <a:spcPts val="1200"/>
+              </a:spcAft>
+              <a:buSzPts val="275"/>
+              <a:buNone/>
+            </a:pPr>
+            <a:r>
+              <a:t/>
+            </a:r>
+            <a:endParaRPr sz="1050"/>
+          </a:p>
+        </p:txBody>
+      </p:sp>
+    </p:spTree>
+  </p:cSld>
+  <p:clrMapOvr>
+    <a:masterClrMapping/>
+  </p:clrMapOvr>
+</p:sld>
+</file>
+
+<file path=ppt/slides/slide5.xml><?xml version="1.0" encoding="utf-8"?>
+<p:sld xmlns:a="http://schemas.openxmlformats.org/drawingml/2006/main" xmlns:r="http://schemas.openxmlformats.org/officeDocument/2006/relationships" xmlns:mc="http://schemas.openxmlformats.org/markup-compatibility/2006" xmlns:mv="urn:schemas-microsoft-com:mac:vml" xmlns:p="http://schemas.openxmlformats.org/presentationml/2006/main" xmlns:c="http://schemas.openxmlformats.org/drawingml/2006/chart" xmlns:dgm="http://schemas.openxmlformats.org/drawingml/2006/diagram" xmlns:o="urn:schemas-microsoft-com:office:office" xmlns:v="urn:schemas-microsoft-com:vml" xmlns:pvml="urn:schemas-microsoft-com:office:powerpoint" xmlns:com="http://schemas.openxmlformats.org/drawingml/2006/compatibility" xmlns:p14="http://schemas.microsoft.com/office/powerpoint/2010/main" xmlns:p15="http://schemas.microsoft.com/office/powerpoint/2012/main" xmlns:ahyp="http://schemas.microsoft.com/office/drawing/2018/hyperlinkcolor">
+  <p:cSld>
+    <p:spTree>
+      <p:nvGrpSpPr>
+        <p:cNvPr id="74" name="Shape 74"/>
+        <p:cNvGrpSpPr/>
+        <p:nvPr/>
+      </p:nvGrpSpPr>
+      <p:grpSpPr>
+        <a:xfrm>
+          <a:off x="0" y="0"/>
+          <a:ext cx="0" cy="0"/>
+          <a:chOff x="0" y="0"/>
+          <a:chExt cx="0" cy="0"/>
+        </a:xfrm>
+      </p:grpSpPr>
+      <p:sp>
+        <p:nvSpPr>
+          <p:cNvPr id="75" name="Google Shape;75;p17"/>
+          <p:cNvSpPr txBox="1"/>
+          <p:nvPr>
+            <p:ph type="title"/>
+          </p:nvPr>
+        </p:nvSpPr>
+        <p:spPr>
+          <a:xfrm>
+            <a:off x="311700" y="445025"/>
+            <a:ext cx="8520600" cy="572700"/>
+          </a:xfrm>
+          <a:prstGeom prst="rect">
+            <a:avLst/>
+          </a:prstGeom>
+        </p:spPr>
+        <p:txBody>
+          <a:bodyPr anchorCtr="0" anchor="t" bIns="91425" lIns="91425" spcFirstLastPara="1" rIns="91425" wrap="square" tIns="91425">
+            <a:normAutofit fontScale="90000"/>
+          </a:bodyPr>
+          <a:lstStyle/>
+          <a:p>
+            <a:pPr indent="0" lvl="0" marL="0" rtl="0" algn="l">
+              <a:spcBef>
+                <a:spcPts val="0"/>
+              </a:spcBef>
+              <a:spcAft>
+                <a:spcPts val="0"/>
+              </a:spcAft>
+              <a:buNone/>
+            </a:pPr>
+            <a:r>
+              <a:t/>
+            </a:r>
+            <a:endParaRPr/>
+          </a:p>
+        </p:txBody>
+      </p:sp>
+      <p:sp>
+        <p:nvSpPr>
+          <p:cNvPr id="76" name="Google Shape;76;p17"/>
+          <p:cNvSpPr txBox="1"/>
+          <p:nvPr>
+            <p:ph idx="1" type="body"/>
+          </p:nvPr>
+        </p:nvSpPr>
+        <p:spPr>
+          <a:xfrm>
+            <a:off x="311700" y="1152475"/>
+            <a:ext cx="8520600" cy="3416400"/>
+          </a:xfrm>
+          <a:prstGeom prst="rect">
+            <a:avLst/>
+          </a:prstGeom>
+        </p:spPr>
+        <p:txBody>
+          <a:bodyPr anchorCtr="0" anchor="t" bIns="91425" lIns="91425" spcFirstLastPara="1" rIns="91425" wrap="square" tIns="91425">
+            <a:normAutofit fontScale="25000" lnSpcReduction="20000"/>
+          </a:bodyPr>
+          <a:lstStyle/>
+          <a:p>
+            <a:pPr indent="0" lvl="0" marL="0" rtl="0" algn="l">
+              <a:spcBef>
+                <a:spcPts val="1200"/>
+              </a:spcBef>
+              <a:spcAft>
+                <a:spcPts val="0"/>
+              </a:spcAft>
+              <a:buClr>
+                <a:schemeClr val="dk1"/>
+              </a:buClr>
+              <a:buSzPct val="100000"/>
+              <a:buFont typeface="Arial"/>
+              <a:buNone/>
+            </a:pPr>
+            <a:r>
+              <a:rPr lang="en-GB" sz="1100">
+                <a:solidFill>
+                  <a:schemeClr val="dk1"/>
+                </a:solidFill>
+              </a:rPr>
+              <a:t>n the context of the </a:t>
+            </a:r>
+            <a:r>
+              <a:rPr b="1" lang="en-GB" sz="1100">
+                <a:solidFill>
+                  <a:schemeClr val="dk1"/>
+                </a:solidFill>
+              </a:rPr>
+              <a:t>Dynamic Context-Aware Encryption Framework (D-CAF)</a:t>
+            </a:r>
+            <a:r>
+              <a:rPr lang="en-GB" sz="1100">
+                <a:solidFill>
+                  <a:schemeClr val="dk1"/>
+                </a:solidFill>
+              </a:rPr>
+              <a:t>, the encryption key manager plays a pivotal role in ensuring the security, accessibility, and efficiency of encryption operations tailored to the dynamic needs of the system. Here’s a deeper look at how the key manager functions within D-CAF, focusing on its integration with the system's adaptive security measures:</a:t>
+            </a:r>
+            <a:endParaRPr sz="1100">
+              <a:solidFill>
+                <a:schemeClr val="dk1"/>
+              </a:solidFill>
+            </a:endParaRPr>
+          </a:p>
+          <a:p>
+            <a:pPr indent="0" lvl="0" marL="0" rtl="0" algn="l">
+              <a:spcBef>
+                <a:spcPts val="1400"/>
+              </a:spcBef>
+              <a:spcAft>
+                <a:spcPts val="0"/>
+              </a:spcAft>
+              <a:buClr>
+                <a:schemeClr val="dk1"/>
+              </a:buClr>
+              <a:buSzPct val="84615"/>
+              <a:buFont typeface="Arial"/>
+              <a:buNone/>
+            </a:pPr>
+            <a:r>
+              <a:rPr b="1" lang="en-GB" sz="1300">
+                <a:solidFill>
+                  <a:schemeClr val="dk1"/>
+                </a:solidFill>
+              </a:rPr>
+              <a:t>Key Management in D-CAF</a:t>
+            </a:r>
+            <a:endParaRPr b="1" sz="1300">
+              <a:solidFill>
+                <a:schemeClr val="dk1"/>
+              </a:solidFill>
+            </a:endParaRPr>
+          </a:p>
+          <a:p>
+            <a:pPr indent="0" lvl="0" marL="0" rtl="0" algn="l">
+              <a:spcBef>
+                <a:spcPts val="1200"/>
+              </a:spcBef>
+              <a:spcAft>
+                <a:spcPts val="0"/>
+              </a:spcAft>
+              <a:buClr>
+                <a:schemeClr val="dk1"/>
+              </a:buClr>
+              <a:buSzPct val="100000"/>
+              <a:buFont typeface="Arial"/>
+              <a:buNone/>
+            </a:pPr>
+            <a:r>
+              <a:rPr b="1" lang="en-GB" sz="1100">
+                <a:solidFill>
+                  <a:schemeClr val="dk1"/>
+                </a:solidFill>
+              </a:rPr>
+              <a:t>1. Adaptive Key Generation and Assignment:</a:t>
+            </a:r>
+            <a:endParaRPr b="1" sz="1100">
+              <a:solidFill>
+                <a:schemeClr val="dk1"/>
+              </a:solidFill>
+            </a:endParaRPr>
+          </a:p>
+          <a:p>
+            <a:pPr indent="-246062" lvl="0" marL="457200" rtl="0" algn="l">
+              <a:spcBef>
+                <a:spcPts val="1200"/>
+              </a:spcBef>
+              <a:spcAft>
+                <a:spcPts val="0"/>
+              </a:spcAft>
+              <a:buClr>
+                <a:schemeClr val="dk1"/>
+              </a:buClr>
+              <a:buSzPct val="100000"/>
+              <a:buChar char="●"/>
+            </a:pPr>
+            <a:r>
+              <a:rPr b="1" lang="en-GB" sz="1100">
+                <a:solidFill>
+                  <a:schemeClr val="dk1"/>
+                </a:solidFill>
+              </a:rPr>
+              <a:t>Context-Sensitive Key Generation:</a:t>
+            </a:r>
+            <a:r>
+              <a:rPr lang="en-GB" sz="1100">
+                <a:solidFill>
+                  <a:schemeClr val="dk1"/>
+                </a:solidFill>
+              </a:rPr>
+              <a:t> D-CAF generates encryption keys using algorithms that align with the sensitivity and risk associated with the data. For example, more robust keys (e.g., longer key lengths or more complex algorithms like AES-256) are used for highly sensitive data in riskier environments.</a:t>
+            </a:r>
+            <a:endParaRPr sz="1100">
+              <a:solidFill>
+                <a:schemeClr val="dk1"/>
+              </a:solidFill>
+            </a:endParaRPr>
+          </a:p>
+          <a:p>
+            <a:pPr indent="-246062" lvl="0" marL="457200" rtl="0" algn="l">
+              <a:spcBef>
+                <a:spcPts val="0"/>
+              </a:spcBef>
+              <a:spcAft>
+                <a:spcPts val="0"/>
+              </a:spcAft>
+              <a:buClr>
+                <a:schemeClr val="dk1"/>
+              </a:buClr>
+              <a:buSzPct val="100000"/>
+              <a:buChar char="●"/>
+            </a:pPr>
+            <a:r>
+              <a:rPr b="1" lang="en-GB" sz="1100">
+                <a:solidFill>
+                  <a:schemeClr val="dk1"/>
+                </a:solidFill>
+              </a:rPr>
+              <a:t>Dynamic Assignment:</a:t>
+            </a:r>
+            <a:r>
+              <a:rPr lang="en-GB" sz="1100">
+                <a:solidFill>
+                  <a:schemeClr val="dk1"/>
+                </a:solidFill>
+              </a:rPr>
+              <a:t> Keys are assigned to data segments dynamically based on the calculated encryption strength EsE_sEs​ which takes into account both the data sensitivity SfS_fSf​ and the contextual risks RtotalR_{total}Rtotal​.</a:t>
+            </a:r>
+            <a:endParaRPr sz="1100">
+              <a:solidFill>
+                <a:schemeClr val="dk1"/>
+              </a:solidFill>
+            </a:endParaRPr>
+          </a:p>
+          <a:p>
+            <a:pPr indent="0" lvl="0" marL="0" rtl="0" algn="l">
+              <a:spcBef>
+                <a:spcPts val="1200"/>
+              </a:spcBef>
+              <a:spcAft>
+                <a:spcPts val="0"/>
+              </a:spcAft>
+              <a:buClr>
+                <a:schemeClr val="dk1"/>
+              </a:buClr>
+              <a:buSzPct val="100000"/>
+              <a:buFont typeface="Arial"/>
+              <a:buNone/>
+            </a:pPr>
+            <a:r>
+              <a:rPr b="1" lang="en-GB" sz="1100">
+                <a:solidFill>
+                  <a:schemeClr val="dk1"/>
+                </a:solidFill>
+              </a:rPr>
+              <a:t>2. Secure Key Storage:</a:t>
+            </a:r>
+            <a:endParaRPr b="1" sz="1100">
+              <a:solidFill>
+                <a:schemeClr val="dk1"/>
+              </a:solidFill>
+            </a:endParaRPr>
+          </a:p>
+          <a:p>
+            <a:pPr indent="-246062" lvl="0" marL="457200" rtl="0" algn="l">
+              <a:spcBef>
+                <a:spcPts val="1200"/>
+              </a:spcBef>
+              <a:spcAft>
+                <a:spcPts val="0"/>
+              </a:spcAft>
+              <a:buClr>
+                <a:schemeClr val="dk1"/>
+              </a:buClr>
+              <a:buSzPct val="100000"/>
+              <a:buChar char="●"/>
+            </a:pPr>
+            <a:r>
+              <a:rPr b="1" lang="en-GB" sz="1100">
+                <a:solidFill>
+                  <a:schemeClr val="dk1"/>
+                </a:solidFill>
+              </a:rPr>
+              <a:t>Hardware Security Modules (HSMs):</a:t>
+            </a:r>
+            <a:r>
+              <a:rPr lang="en-GB" sz="1100">
+                <a:solidFill>
+                  <a:schemeClr val="dk1"/>
+                </a:solidFill>
+              </a:rPr>
+              <a:t> Keys are stored in HSMs to provide physical and logical protection against unauthorized access and tampering.</a:t>
+            </a:r>
+            <a:endParaRPr sz="1100">
+              <a:solidFill>
+                <a:schemeClr val="dk1"/>
+              </a:solidFill>
+            </a:endParaRPr>
+          </a:p>
+          <a:p>
+            <a:pPr indent="-246062" lvl="0" marL="457200" rtl="0" algn="l">
+              <a:spcBef>
+                <a:spcPts val="0"/>
+              </a:spcBef>
+              <a:spcAft>
+                <a:spcPts val="0"/>
+              </a:spcAft>
+              <a:buClr>
+                <a:schemeClr val="dk1"/>
+              </a:buClr>
+              <a:buSzPct val="100000"/>
+              <a:buChar char="●"/>
+            </a:pPr>
+            <a:r>
+              <a:rPr b="1" lang="en-GB" sz="1100">
+                <a:solidFill>
+                  <a:schemeClr val="dk1"/>
+                </a:solidFill>
+              </a:rPr>
+              <a:t>Encryption of Keys:</a:t>
+            </a:r>
+            <a:r>
+              <a:rPr lang="en-GB" sz="1100">
+                <a:solidFill>
+                  <a:schemeClr val="dk1"/>
+                </a:solidFill>
+              </a:rPr>
+              <a:t> Secondary keys used for encrypting the primary encryption keys are managed within D-CAF, ensuring that key storage is not only secure but also resilient against multiple vectors of attack.</a:t>
+            </a:r>
+            <a:endParaRPr sz="1100">
+              <a:solidFill>
+                <a:schemeClr val="dk1"/>
+              </a:solidFill>
+            </a:endParaRPr>
+          </a:p>
+          <a:p>
+            <a:pPr indent="0" lvl="0" marL="0" rtl="0" algn="l">
+              <a:spcBef>
+                <a:spcPts val="1200"/>
+              </a:spcBef>
+              <a:spcAft>
+                <a:spcPts val="0"/>
+              </a:spcAft>
+              <a:buClr>
+                <a:schemeClr val="dk1"/>
+              </a:buClr>
+              <a:buSzPct val="100000"/>
+              <a:buFont typeface="Arial"/>
+              <a:buNone/>
+            </a:pPr>
+            <a:r>
+              <a:rPr b="1" lang="en-GB" sz="1100">
+                <a:solidFill>
+                  <a:schemeClr val="dk1"/>
+                </a:solidFill>
+              </a:rPr>
+              <a:t>3. Automated Key Rotation:</a:t>
+            </a:r>
+            <a:endParaRPr b="1" sz="1100">
+              <a:solidFill>
+                <a:schemeClr val="dk1"/>
+              </a:solidFill>
+            </a:endParaRPr>
+          </a:p>
+          <a:p>
+            <a:pPr indent="-246062" lvl="0" marL="457200" rtl="0" algn="l">
+              <a:spcBef>
+                <a:spcPts val="1200"/>
+              </a:spcBef>
+              <a:spcAft>
+                <a:spcPts val="0"/>
+              </a:spcAft>
+              <a:buClr>
+                <a:schemeClr val="dk1"/>
+              </a:buClr>
+              <a:buSzPct val="100000"/>
+              <a:buChar char="●"/>
+            </a:pPr>
+            <a:r>
+              <a:rPr b="1" lang="en-GB" sz="1100">
+                <a:solidFill>
+                  <a:schemeClr val="dk1"/>
+                </a:solidFill>
+              </a:rPr>
+              <a:t>Rotation Policy Based on Risk Assessment:</a:t>
+            </a:r>
+            <a:r>
+              <a:rPr lang="en-GB" sz="1100">
+                <a:solidFill>
+                  <a:schemeClr val="dk1"/>
+                </a:solidFill>
+              </a:rPr>
+              <a:t> Key rotation schedules are adjusted dynamically based on ongoing risk assessments. Higher-risk environments or higher sensitivity data might trigger more frequent key rotations.</a:t>
+            </a:r>
+            <a:endParaRPr sz="1100">
+              <a:solidFill>
+                <a:schemeClr val="dk1"/>
+              </a:solidFill>
+            </a:endParaRPr>
+          </a:p>
+          <a:p>
+            <a:pPr indent="-246062" lvl="0" marL="457200" rtl="0" algn="l">
+              <a:spcBef>
+                <a:spcPts val="0"/>
+              </a:spcBef>
+              <a:spcAft>
+                <a:spcPts val="0"/>
+              </a:spcAft>
+              <a:buClr>
+                <a:schemeClr val="dk1"/>
+              </a:buClr>
+              <a:buSzPct val="100000"/>
+              <a:buChar char="●"/>
+            </a:pPr>
+            <a:r>
+              <a:rPr b="1" lang="en-GB" sz="1100">
+                <a:solidFill>
+                  <a:schemeClr val="dk1"/>
+                </a:solidFill>
+              </a:rPr>
+              <a:t>Seamless Rotation:</a:t>
+            </a:r>
+            <a:r>
+              <a:rPr lang="en-GB" sz="1100">
+                <a:solidFill>
+                  <a:schemeClr val="dk1"/>
+                </a:solidFill>
+              </a:rPr>
+              <a:t> D-CAF automates the re-encryption of existing data with new keys, minimizing downtime and operational overhead.</a:t>
+            </a:r>
+            <a:endParaRPr sz="1100">
+              <a:solidFill>
+                <a:schemeClr val="dk1"/>
+              </a:solidFill>
+            </a:endParaRPr>
+          </a:p>
+          <a:p>
+            <a:pPr indent="0" lvl="0" marL="0" rtl="0" algn="l">
+              <a:spcBef>
+                <a:spcPts val="1200"/>
+              </a:spcBef>
+              <a:spcAft>
+                <a:spcPts val="0"/>
+              </a:spcAft>
+              <a:buClr>
+                <a:schemeClr val="dk1"/>
+              </a:buClr>
+              <a:buSzPct val="100000"/>
+              <a:buFont typeface="Arial"/>
+              <a:buNone/>
+            </a:pPr>
+            <a:r>
+              <a:rPr b="1" lang="en-GB" sz="1100">
+                <a:solidFill>
+                  <a:schemeClr val="dk1"/>
+                </a:solidFill>
+              </a:rPr>
+              <a:t>4. Context-Aware Key Distribution:</a:t>
+            </a:r>
+            <a:endParaRPr b="1" sz="1100">
+              <a:solidFill>
+                <a:schemeClr val="dk1"/>
+              </a:solidFill>
+            </a:endParaRPr>
+          </a:p>
+          <a:p>
+            <a:pPr indent="-246062" lvl="0" marL="457200" rtl="0" algn="l">
+              <a:spcBef>
+                <a:spcPts val="1200"/>
+              </a:spcBef>
+              <a:spcAft>
+                <a:spcPts val="0"/>
+              </a:spcAft>
+              <a:buClr>
+                <a:schemeClr val="dk1"/>
+              </a:buClr>
+              <a:buSzPct val="100000"/>
+              <a:buChar char="●"/>
+            </a:pPr>
+            <a:r>
+              <a:rPr b="1" lang="en-GB" sz="1100">
+                <a:solidFill>
+                  <a:schemeClr val="dk1"/>
+                </a:solidFill>
+              </a:rPr>
+              <a:t>Secure Distribution Channels:</a:t>
+            </a:r>
+            <a:r>
+              <a:rPr lang="en-GB" sz="1100">
+                <a:solidFill>
+                  <a:schemeClr val="dk1"/>
+                </a:solidFill>
+              </a:rPr>
+              <a:t> Keys are distributed via secure channels with end-to-end encryption to ensure they are not intercepted during transit.</a:t>
+            </a:r>
+            <a:endParaRPr sz="1100">
+              <a:solidFill>
+                <a:schemeClr val="dk1"/>
+              </a:solidFill>
+            </a:endParaRPr>
+          </a:p>
+          <a:p>
+            <a:pPr indent="-246062" lvl="0" marL="457200" rtl="0" algn="l">
+              <a:spcBef>
+                <a:spcPts val="0"/>
+              </a:spcBef>
+              <a:spcAft>
+                <a:spcPts val="0"/>
+              </a:spcAft>
+              <a:buClr>
+                <a:schemeClr val="dk1"/>
+              </a:buClr>
+              <a:buSzPct val="100000"/>
+              <a:buChar char="●"/>
+            </a:pPr>
+            <a:r>
+              <a:rPr b="1" lang="en-GB" sz="1100">
+                <a:solidFill>
+                  <a:schemeClr val="dk1"/>
+                </a:solidFill>
+              </a:rPr>
+              <a:t>Access Based on Context:</a:t>
+            </a:r>
+            <a:r>
+              <a:rPr lang="en-GB" sz="1100">
+                <a:solidFill>
+                  <a:schemeClr val="dk1"/>
+                </a:solidFill>
+              </a:rPr>
+              <a:t> Distribution of keys is controlled by the context, such as user roles, location, and time, ensuring that keys are only available to authorized entities under appropriate conditions.</a:t>
+            </a:r>
+            <a:endParaRPr sz="1100">
+              <a:solidFill>
+                <a:schemeClr val="dk1"/>
+              </a:solidFill>
+            </a:endParaRPr>
+          </a:p>
+          <a:p>
+            <a:pPr indent="0" lvl="0" marL="0" rtl="0" algn="l">
+              <a:spcBef>
+                <a:spcPts val="1200"/>
+              </a:spcBef>
+              <a:spcAft>
+                <a:spcPts val="0"/>
+              </a:spcAft>
+              <a:buClr>
+                <a:schemeClr val="dk1"/>
+              </a:buClr>
+              <a:buSzPct val="100000"/>
+              <a:buFont typeface="Arial"/>
+              <a:buNone/>
+            </a:pPr>
+            <a:r>
+              <a:rPr b="1" lang="en-GB" sz="1100">
+                <a:solidFill>
+                  <a:schemeClr val="dk1"/>
+                </a:solidFill>
+              </a:rPr>
+              <a:t>5. Key Lifecycle Management:</a:t>
+            </a:r>
+            <a:endParaRPr b="1" sz="1100">
+              <a:solidFill>
+                <a:schemeClr val="dk1"/>
+              </a:solidFill>
+            </a:endParaRPr>
+          </a:p>
+          <a:p>
+            <a:pPr indent="-246062" lvl="0" marL="457200" rtl="0" algn="l">
+              <a:spcBef>
+                <a:spcPts val="1200"/>
+              </a:spcBef>
+              <a:spcAft>
+                <a:spcPts val="0"/>
+              </a:spcAft>
+              <a:buClr>
+                <a:schemeClr val="dk1"/>
+              </a:buClr>
+              <a:buSzPct val="100000"/>
+              <a:buChar char="●"/>
+            </a:pPr>
+            <a:r>
+              <a:rPr b="1" lang="en-GB" sz="1100">
+                <a:solidFill>
+                  <a:schemeClr val="dk1"/>
+                </a:solidFill>
+              </a:rPr>
+              <a:t>Monitoring Key States:</a:t>
+            </a:r>
+            <a:r>
+              <a:rPr lang="en-GB" sz="1100">
+                <a:solidFill>
+                  <a:schemeClr val="dk1"/>
+                </a:solidFill>
+              </a:rPr>
+              <a:t> D-CAF continuously monitors key states and usage patterns to make decisions on key expiration, renewal, and revocation.</a:t>
+            </a:r>
+            <a:endParaRPr sz="1100">
+              <a:solidFill>
+                <a:schemeClr val="dk1"/>
+              </a:solidFill>
+            </a:endParaRPr>
+          </a:p>
+          <a:p>
+            <a:pPr indent="-246062" lvl="0" marL="457200" rtl="0" algn="l">
+              <a:spcBef>
+                <a:spcPts val="0"/>
+              </a:spcBef>
+              <a:spcAft>
+                <a:spcPts val="0"/>
+              </a:spcAft>
+              <a:buClr>
+                <a:schemeClr val="dk1"/>
+              </a:buClr>
+              <a:buSzPct val="100000"/>
+              <a:buChar char="●"/>
+            </a:pPr>
+            <a:r>
+              <a:rPr b="1" lang="en-GB" sz="1100">
+                <a:solidFill>
+                  <a:schemeClr val="dk1"/>
+                </a:solidFill>
+              </a:rPr>
+              <a:t>Decommissioning and Revocation:</a:t>
+            </a:r>
+            <a:r>
+              <a:rPr lang="en-GB" sz="1100">
+                <a:solidFill>
+                  <a:schemeClr val="dk1"/>
+                </a:solidFill>
+              </a:rPr>
+              <a:t> If a key is deemed compromised or no longer needed due to changes in contextual risk, it is quickly revoked and securely decommissioned.</a:t>
+            </a:r>
+            <a:endParaRPr sz="1100">
+              <a:solidFill>
+                <a:schemeClr val="dk1"/>
+              </a:solidFill>
+            </a:endParaRPr>
+          </a:p>
+          <a:p>
+            <a:pPr indent="0" lvl="0" marL="0" rtl="0" algn="l">
+              <a:spcBef>
+                <a:spcPts val="1200"/>
+              </a:spcBef>
+              <a:spcAft>
+                <a:spcPts val="0"/>
+              </a:spcAft>
+              <a:buClr>
+                <a:schemeClr val="dk1"/>
+              </a:buClr>
+              <a:buSzPct val="100000"/>
+              <a:buFont typeface="Arial"/>
+              <a:buNone/>
+            </a:pPr>
+            <a:r>
+              <a:rPr b="1" lang="en-GB" sz="1100">
+                <a:solidFill>
+                  <a:schemeClr val="dk1"/>
+                </a:solidFill>
+              </a:rPr>
+              <a:t>6. Audit and Compliance:</a:t>
+            </a:r>
+            <a:endParaRPr b="1" sz="1100">
+              <a:solidFill>
+                <a:schemeClr val="dk1"/>
+              </a:solidFill>
+            </a:endParaRPr>
+          </a:p>
+          <a:p>
+            <a:pPr indent="-246062" lvl="0" marL="457200" rtl="0" algn="l">
+              <a:spcBef>
+                <a:spcPts val="1200"/>
+              </a:spcBef>
+              <a:spcAft>
+                <a:spcPts val="0"/>
+              </a:spcAft>
+              <a:buClr>
+                <a:schemeClr val="dk1"/>
+              </a:buClr>
+              <a:buSzPct val="100000"/>
+              <a:buChar char="●"/>
+            </a:pPr>
+            <a:r>
+              <a:rPr b="1" lang="en-GB" sz="1100">
+                <a:solidFill>
+                  <a:schemeClr val="dk1"/>
+                </a:solidFill>
+              </a:rPr>
+              <a:t>Comprehensive Logging:</a:t>
+            </a:r>
+            <a:r>
+              <a:rPr lang="en-GB" sz="1100">
+                <a:solidFill>
+                  <a:schemeClr val="dk1"/>
+                </a:solidFill>
+              </a:rPr>
+              <a:t> All key management activities are logged, including key generation, access, rotation, and destruction. These logs support compliance with various regulatory requirements by providing traceable records.</a:t>
+            </a:r>
+            <a:endParaRPr sz="1100">
+              <a:solidFill>
+                <a:schemeClr val="dk1"/>
+              </a:solidFill>
+            </a:endParaRPr>
+          </a:p>
+          <a:p>
+            <a:pPr indent="-246062" lvl="0" marL="457200" rtl="0" algn="l">
+              <a:spcBef>
+                <a:spcPts val="0"/>
+              </a:spcBef>
+              <a:spcAft>
+                <a:spcPts val="0"/>
+              </a:spcAft>
+              <a:buClr>
+                <a:schemeClr val="dk1"/>
+              </a:buClr>
+              <a:buSzPct val="100000"/>
+              <a:buChar char="●"/>
+            </a:pPr>
+            <a:r>
+              <a:rPr b="1" lang="en-GB" sz="1100">
+                <a:solidFill>
+                  <a:schemeClr val="dk1"/>
+                </a:solidFill>
+              </a:rPr>
+              <a:t>Regulatory Compliance:</a:t>
+            </a:r>
+            <a:r>
+              <a:rPr lang="en-GB" sz="1100">
+                <a:solidFill>
+                  <a:schemeClr val="dk1"/>
+                </a:solidFill>
+              </a:rPr>
+              <a:t> D-CAF ensures that key management practices adhere to relevant standards and regulations, such as GDPR, HIPAA, or PCI-DSS, which may dictate specific controls around encryption and key management.</a:t>
+            </a:r>
+            <a:endParaRPr sz="1100">
+              <a:solidFill>
+                <a:schemeClr val="dk1"/>
+              </a:solidFill>
+            </a:endParaRPr>
+          </a:p>
+          <a:p>
+            <a:pPr indent="0" lvl="0" marL="0" rtl="0" algn="l">
+              <a:spcBef>
+                <a:spcPts val="1200"/>
+              </a:spcBef>
+              <a:spcAft>
+                <a:spcPts val="0"/>
+              </a:spcAft>
+              <a:buClr>
+                <a:schemeClr val="dk1"/>
+              </a:buClr>
+              <a:buSzPct val="100000"/>
+              <a:buFont typeface="Arial"/>
+              <a:buNone/>
+            </a:pPr>
+            <a:r>
+              <a:rPr b="1" lang="en-GB" sz="1100">
+                <a:solidFill>
+                  <a:schemeClr val="dk1"/>
+                </a:solidFill>
+              </a:rPr>
+              <a:t>7. Integration with Other D-CAF Components:</a:t>
+            </a:r>
+            <a:endParaRPr b="1" sz="1100">
+              <a:solidFill>
+                <a:schemeClr val="dk1"/>
+              </a:solidFill>
+            </a:endParaRPr>
+          </a:p>
+          <a:p>
+            <a:pPr indent="-246062" lvl="0" marL="457200" rtl="0" algn="l">
+              <a:spcBef>
+                <a:spcPts val="1200"/>
+              </a:spcBef>
+              <a:spcAft>
+                <a:spcPts val="0"/>
+              </a:spcAft>
+              <a:buClr>
+                <a:schemeClr val="dk1"/>
+              </a:buClr>
+              <a:buSzPct val="100000"/>
+              <a:buChar char="●"/>
+            </a:pPr>
+            <a:r>
+              <a:rPr b="1" lang="en-GB" sz="1100">
+                <a:solidFill>
+                  <a:schemeClr val="dk1"/>
+                </a:solidFill>
+              </a:rPr>
+              <a:t>Feedback Loop for Risk Assessment:</a:t>
+            </a:r>
+            <a:r>
+              <a:rPr lang="en-GB" sz="1100">
+                <a:solidFill>
+                  <a:schemeClr val="dk1"/>
+                </a:solidFill>
+              </a:rPr>
+              <a:t> Key usage and management data feed back into the D-CAF's risk assessment module, helping to refine the context-aware algorithms that determine when and how encryption keys should be rotated or reissued.</a:t>
+            </a:r>
+            <a:endParaRPr sz="1100">
+              <a:solidFill>
+                <a:schemeClr val="dk1"/>
+              </a:solidFill>
+            </a:endParaRPr>
+          </a:p>
+          <a:p>
+            <a:pPr indent="-246062" lvl="0" marL="457200" rtl="0" algn="l">
+              <a:spcBef>
+                <a:spcPts val="0"/>
+              </a:spcBef>
+              <a:spcAft>
+                <a:spcPts val="0"/>
+              </a:spcAft>
+              <a:buClr>
+                <a:schemeClr val="dk1"/>
+              </a:buClr>
+              <a:buSzPct val="100000"/>
+              <a:buChar char="●"/>
+            </a:pPr>
+            <a:r>
+              <a:rPr b="1" lang="en-GB" sz="1100">
+                <a:solidFill>
+                  <a:schemeClr val="dk1"/>
+                </a:solidFill>
+              </a:rPr>
+              <a:t>Support for Encryption Algorithms:</a:t>
+            </a:r>
+            <a:r>
+              <a:rPr lang="en-GB" sz="1100">
+                <a:solidFill>
+                  <a:schemeClr val="dk1"/>
+                </a:solidFill>
+              </a:rPr>
+              <a:t> D-CAF supports a variety of encryption algorithms and allows for easy integration of new or custom algorithms as needed by the organization or required by emerging threats.</a:t>
+            </a:r>
+            <a:endParaRPr sz="1100">
+              <a:solidFill>
+                <a:schemeClr val="dk1"/>
+              </a:solidFill>
+            </a:endParaRPr>
+          </a:p>
+          <a:p>
+            <a:pPr indent="0" lvl="0" marL="0" rtl="0" algn="l">
+              <a:spcBef>
+                <a:spcPts val="1400"/>
+              </a:spcBef>
+              <a:spcAft>
+                <a:spcPts val="0"/>
+              </a:spcAft>
+              <a:buClr>
+                <a:schemeClr val="dk1"/>
+              </a:buClr>
+              <a:buSzPct val="84615"/>
+              <a:buFont typeface="Arial"/>
+              <a:buNone/>
+            </a:pPr>
+            <a:r>
+              <a:rPr b="1" lang="en-GB" sz="1300">
+                <a:solidFill>
+                  <a:schemeClr val="dk1"/>
+                </a:solidFill>
+              </a:rPr>
+              <a:t>Security Enhancements in D-CAF</a:t>
+            </a:r>
+            <a:endParaRPr b="1" sz="1300">
+              <a:solidFill>
+                <a:schemeClr val="dk1"/>
+              </a:solidFill>
+            </a:endParaRPr>
+          </a:p>
+          <a:p>
+            <a:pPr indent="-246062" lvl="0" marL="457200" rtl="0" algn="l">
+              <a:spcBef>
+                <a:spcPts val="1200"/>
+              </a:spcBef>
+              <a:spcAft>
+                <a:spcPts val="0"/>
+              </a:spcAft>
+              <a:buClr>
+                <a:schemeClr val="dk1"/>
+              </a:buClr>
+              <a:buSzPct val="100000"/>
+              <a:buChar char="●"/>
+            </a:pPr>
+            <a:r>
+              <a:rPr b="1" lang="en-GB" sz="1100">
+                <a:solidFill>
+                  <a:schemeClr val="dk1"/>
+                </a:solidFill>
+              </a:rPr>
+              <a:t>Multi-factor Authentication:</a:t>
+            </a:r>
+            <a:r>
+              <a:rPr lang="en-GB" sz="1100">
+                <a:solidFill>
+                  <a:schemeClr val="dk1"/>
+                </a:solidFill>
+              </a:rPr>
+              <a:t> Access to key management functions requires multi-factor authentication to enhance security.</a:t>
+            </a:r>
+            <a:endParaRPr sz="1100">
+              <a:solidFill>
+                <a:schemeClr val="dk1"/>
+              </a:solidFill>
+            </a:endParaRPr>
+          </a:p>
+          <a:p>
+            <a:pPr indent="-246062" lvl="0" marL="457200" rtl="0" algn="l">
+              <a:spcBef>
+                <a:spcPts val="0"/>
+              </a:spcBef>
+              <a:spcAft>
+                <a:spcPts val="0"/>
+              </a:spcAft>
+              <a:buClr>
+                <a:schemeClr val="dk1"/>
+              </a:buClr>
+              <a:buSzPct val="100000"/>
+              <a:buChar char="●"/>
+            </a:pPr>
+            <a:r>
+              <a:rPr b="1" lang="en-GB" sz="1100">
+                <a:solidFill>
+                  <a:schemeClr val="dk1"/>
+                </a:solidFill>
+              </a:rPr>
+              <a:t>Least Privilege Access:</a:t>
+            </a:r>
+            <a:r>
+              <a:rPr lang="en-GB" sz="1100">
+                <a:solidFill>
+                  <a:schemeClr val="dk1"/>
+                </a:solidFill>
+              </a:rPr>
+              <a:t> Principles of least privilege are applied rigorously to ensure that only necessary access to keys is granted, based on the user's role and context.</a:t>
+            </a:r>
+            <a:endParaRPr sz="1100">
+              <a:solidFill>
+                <a:schemeClr val="dk1"/>
+              </a:solidFill>
+            </a:endParaRPr>
+          </a:p>
+          <a:p>
+            <a:pPr indent="0" lvl="0" marL="0" rtl="0" algn="l">
+              <a:spcBef>
+                <a:spcPts val="1400"/>
+              </a:spcBef>
+              <a:spcAft>
+                <a:spcPts val="0"/>
+              </a:spcAft>
+              <a:buClr>
+                <a:schemeClr val="dk1"/>
+              </a:buClr>
+              <a:buSzPct val="84615"/>
+              <a:buFont typeface="Arial"/>
+              <a:buNone/>
+            </a:pPr>
+            <a:r>
+              <a:rPr b="1" lang="en-GB" sz="1300">
+                <a:solidFill>
+                  <a:schemeClr val="dk1"/>
+                </a:solidFill>
+              </a:rPr>
+              <a:t>Conclusion</a:t>
+            </a:r>
+            <a:endParaRPr b="1" sz="1300">
+              <a:solidFill>
+                <a:schemeClr val="dk1"/>
+              </a:solidFill>
+            </a:endParaRPr>
+          </a:p>
+          <a:p>
+            <a:pPr indent="0" lvl="0" marL="0" rtl="0" algn="l">
+              <a:spcBef>
+                <a:spcPts val="1200"/>
+              </a:spcBef>
+              <a:spcAft>
+                <a:spcPts val="0"/>
+              </a:spcAft>
+              <a:buClr>
+                <a:schemeClr val="dk1"/>
+              </a:buClr>
+              <a:buSzPct val="100000"/>
+              <a:buFont typeface="Arial"/>
+              <a:buNone/>
+            </a:pPr>
+            <a:r>
+              <a:rPr lang="en-GB" sz="1100">
+                <a:solidFill>
+                  <a:schemeClr val="dk1"/>
+                </a:solidFill>
+              </a:rPr>
+              <a:t>In D-CAF, the key manager is not just a static tool for storing and handling encryption keys; it is an adaptive, integrated component of the broader context-aware security framework. It enhances the framework's ability to protect data dynamically by adjusting key management practices in real-time according to evolving data sensitivity, threat landscapes, and compliance requirements. This dynamic approach ensures that encryption practices are as agile as the environments in which they operate, providing robust security without sacrificing operational flexibility or efficiency.</a:t>
+            </a:r>
+            <a:endParaRPr sz="1100">
+              <a:solidFill>
+                <a:schemeClr val="dk1"/>
+              </a:solidFill>
+            </a:endParaRPr>
+          </a:p>
+          <a:p>
+            <a:pPr indent="0" lvl="0" marL="0" rtl="0" algn="l">
+              <a:spcBef>
+                <a:spcPts val="1200"/>
+              </a:spcBef>
+              <a:spcAft>
+                <a:spcPts val="1200"/>
+              </a:spcAft>
+              <a:buNone/>
+            </a:pPr>
+            <a:r>
+              <a:t/>
+            </a:r>
+            <a:endParaRPr/>
+          </a:p>
+        </p:txBody>
+      </p:sp>
+    </p:spTree>
+  </p:cSld>
+  <p:clrMapOvr>
+    <a:masterClrMapping/>
+  </p:clrMapOvr>
+</p:sld>
+</file>
+
+<file path=ppt/slides/slide6.xml><?xml version="1.0" encoding="utf-8"?>
+<p:sld xmlns:a="http://schemas.openxmlformats.org/drawingml/2006/main" xmlns:r="http://schemas.openxmlformats.org/officeDocument/2006/relationships" xmlns:mc="http://schemas.openxmlformats.org/markup-compatibility/2006" xmlns:mv="urn:schemas-microsoft-com:mac:vml" xmlns:p="http://schemas.openxmlformats.org/presentationml/2006/main" xmlns:c="http://schemas.openxmlformats.org/drawingml/2006/chart" xmlns:dgm="http://schemas.openxmlformats.org/drawingml/2006/diagram" xmlns:o="urn:schemas-microsoft-com:office:office" xmlns:v="urn:schemas-microsoft-com:vml" xmlns:pvml="urn:schemas-microsoft-com:office:powerpoint" xmlns:com="http://schemas.openxmlformats.org/drawingml/2006/compatibility" xmlns:p14="http://schemas.microsoft.com/office/powerpoint/2010/main" xmlns:p15="http://schemas.microsoft.com/office/powerpoint/2012/main" xmlns:ahyp="http://schemas.microsoft.com/office/drawing/2018/hyperlinkcolor">
+  <p:cSld>
+    <p:spTree>
+      <p:nvGrpSpPr>
+        <p:cNvPr id="80" name="Shape 80"/>
+        <p:cNvGrpSpPr/>
+        <p:nvPr/>
+      </p:nvGrpSpPr>
+      <p:grpSpPr>
+        <a:xfrm>
+          <a:off x="0" y="0"/>
+          <a:ext cx="0" cy="0"/>
+          <a:chOff x="0" y="0"/>
+          <a:chExt cx="0" cy="0"/>
+        </a:xfrm>
+      </p:grpSpPr>
+      <p:sp>
+        <p:nvSpPr>
+          <p:cNvPr id="81" name="Google Shape;81;p18"/>
+          <p:cNvSpPr txBox="1"/>
+          <p:nvPr>
+            <p:ph type="title"/>
+          </p:nvPr>
+        </p:nvSpPr>
+        <p:spPr>
+          <a:xfrm>
+            <a:off x="311700" y="445025"/>
+            <a:ext cx="8520600" cy="572700"/>
+          </a:xfrm>
+          <a:prstGeom prst="rect">
+            <a:avLst/>
+          </a:prstGeom>
+        </p:spPr>
+        <p:txBody>
+          <a:bodyPr anchorCtr="0" anchor="t" bIns="91425" lIns="91425" spcFirstLastPara="1" rIns="91425" wrap="square" tIns="91425">
+            <a:normAutofit fontScale="90000"/>
+          </a:bodyPr>
+          <a:lstStyle/>
+          <a:p>
+            <a:pPr indent="0" lvl="0" marL="0" rtl="0" algn="l">
+              <a:spcBef>
+                <a:spcPts val="0"/>
+              </a:spcBef>
+              <a:spcAft>
+                <a:spcPts val="0"/>
+              </a:spcAft>
+              <a:buNone/>
+            </a:pPr>
+            <a:r>
+              <a:t/>
+            </a:r>
+            <a:endParaRPr/>
+          </a:p>
+        </p:txBody>
+      </p:sp>
+      <p:sp>
+        <p:nvSpPr>
+          <p:cNvPr id="82" name="Google Shape;82;p18"/>
+          <p:cNvSpPr txBox="1"/>
+          <p:nvPr>
+            <p:ph idx="1" type="body"/>
+          </p:nvPr>
+        </p:nvSpPr>
+        <p:spPr>
+          <a:xfrm>
+            <a:off x="311700" y="1152475"/>
+            <a:ext cx="8520600" cy="3416400"/>
+          </a:xfrm>
+          <a:prstGeom prst="rect">
+            <a:avLst/>
+          </a:prstGeom>
+        </p:spPr>
+        <p:txBody>
+          <a:bodyPr anchorCtr="0" anchor="t" bIns="91425" lIns="91425" spcFirstLastPara="1" rIns="91425" wrap="square" tIns="91425">
+            <a:normAutofit/>
+          </a:bodyPr>
+          <a:lstStyle/>
+          <a:p>
+            <a:pPr indent="0" lvl="0" marL="0" rtl="0" algn="l">
+              <a:spcBef>
+                <a:spcPts val="0"/>
+              </a:spcBef>
+              <a:spcAft>
+                <a:spcPts val="1200"/>
+              </a:spcAft>
+              <a:buNone/>
+            </a:pPr>
+            <a:r>
+              <a:t/>
+            </a:r>
+            <a:endParaRPr/>
+          </a:p>
+        </p:txBody>
+      </p:sp>
+    </p:spTree>
+  </p:cSld>
+  <p:clrMapOvr>
+    <a:masterClrMapping/>
+  </p:clrMapOvr>
+</p:sld>
+</file>
+
 <file path=ppt/theme/theme1.xml><?xml version="1.0" encoding="utf-8"?>
 <a:theme xmlns:a="http://schemas.openxmlformats.org/drawingml/2006/main" xmlns:r="http://schemas.openxmlformats.org/officeDocument/2006/relationships" name="Simple Light">
   <a:themeElements>
